--- a/src/main/resources/word/毕业论文/20134091122.pptx
+++ b/src/main/resources/word/毕业论文/20134091122.pptx
@@ -8122,8 +8122,52 @@
           <a:lstStyle/>
           <a:p>
             <a:r>
+              <a:rPr lang="en-US" altLang="zh-CN" dirty="0" smtClean="0"/>
+              <a:t>      </a:t>
+            </a:r>
+            <a:r>
+              <a:rPr lang="zh-CN" altLang="zh-CN" dirty="0" smtClean="0"/>
+              <a:t>通过对</a:t>
+            </a:r>
+            <a:r>
+              <a:rPr lang="en-US" altLang="zh-CN" dirty="0" smtClean="0"/>
+              <a:t>Android </a:t>
+            </a:r>
+            <a:r>
+              <a:rPr lang="zh-CN" altLang="zh-CN" dirty="0" smtClean="0"/>
+              <a:t>和 </a:t>
+            </a:r>
+            <a:r>
+              <a:rPr lang="en-US" altLang="zh-CN" dirty="0" smtClean="0"/>
+              <a:t>Java </a:t>
+            </a:r>
+            <a:r>
+              <a:rPr lang="zh-CN" altLang="zh-CN" dirty="0" smtClean="0"/>
+              <a:t>技术的深入研究和分析，设计</a:t>
+            </a:r>
+            <a:r>
               <a:rPr lang="zh-CN" altLang="en-US" dirty="0" smtClean="0"/>
-              <a:t>性</a:t>
+              <a:t>完成</a:t>
+            </a:r>
+            <a:r>
+              <a:rPr lang="zh-CN" altLang="zh-CN" dirty="0" smtClean="0"/>
+              <a:t>了基于本校</a:t>
+            </a:r>
+            <a:r>
+              <a:rPr lang="zh-CN" altLang="en-US" dirty="0" smtClean="0"/>
+              <a:t>的校园</a:t>
+            </a:r>
+            <a:r>
+              <a:rPr lang="en-US" altLang="zh-CN" dirty="0" smtClean="0"/>
+              <a:t>App</a:t>
+            </a:r>
+            <a:r>
+              <a:rPr lang="zh-CN" altLang="zh-CN" dirty="0" smtClean="0"/>
+              <a:t>。</a:t>
+            </a:r>
+            <a:r>
+              <a:rPr lang="zh-CN" altLang="en-US" dirty="0" smtClean="0"/>
+              <a:t>相比较微信公众号有更强的交互性</a:t>
             </a:r>
             <a:r>
               <a:rPr lang="zh-CN" altLang="en-US" dirty="0" smtClean="0"/>
@@ -8140,50 +8184,6 @@
             <a:r>
               <a:rPr lang="zh-CN" altLang="en-US" dirty="0" smtClean="0"/>
               <a:t>。</a:t>
-            </a:r>
-            <a:r>
-              <a:rPr lang="zh-CN" altLang="zh-CN" dirty="0"/>
-              <a:t>通过对</a:t>
-            </a:r>
-            <a:r>
-              <a:rPr lang="en-US" altLang="zh-CN" dirty="0"/>
-              <a:t>Android </a:t>
-            </a:r>
-            <a:r>
-              <a:rPr lang="zh-CN" altLang="zh-CN" dirty="0"/>
-              <a:t>和 </a:t>
-            </a:r>
-            <a:r>
-              <a:rPr lang="en-US" altLang="zh-CN" dirty="0"/>
-              <a:t>Java </a:t>
-            </a:r>
-            <a:r>
-              <a:rPr lang="zh-CN" altLang="zh-CN" dirty="0"/>
-              <a:t>技术的深入研究和分析，设计</a:t>
-            </a:r>
-            <a:r>
-              <a:rPr lang="zh-CN" altLang="en-US" dirty="0"/>
-              <a:t>完成</a:t>
-            </a:r>
-            <a:r>
-              <a:rPr lang="zh-CN" altLang="zh-CN" dirty="0"/>
-              <a:t>了基于本校</a:t>
-            </a:r>
-            <a:r>
-              <a:rPr lang="zh-CN" altLang="en-US" dirty="0"/>
-              <a:t>的校园</a:t>
-            </a:r>
-            <a:r>
-              <a:rPr lang="en-US" altLang="zh-CN" dirty="0"/>
-              <a:t>App</a:t>
-            </a:r>
-            <a:r>
-              <a:rPr lang="zh-CN" altLang="zh-CN" dirty="0"/>
-              <a:t>。</a:t>
-            </a:r>
-            <a:r>
-              <a:rPr lang="zh-CN" altLang="en-US" dirty="0"/>
-              <a:t>相比较微信公众号有更强的交互</a:t>
             </a:r>
             <a:endParaRPr lang="zh-CN" altLang="en-US" dirty="0"/>
           </a:p>
@@ -11478,7 +11478,7 @@
         </p:blipFill>
         <p:spPr>
           <a:xfrm>
-            <a:off x="3712625" y="2364478"/>
+            <a:off x="3764370" y="2364478"/>
             <a:ext cx="2264391" cy="3960000"/>
           </a:xfrm>
           <a:prstGeom prst="rect">
